--- a/Final Presentation - Team 2.pptx
+++ b/Final Presentation - Team 2.pptx
@@ -6181,15 +6181,12 @@
           <a:p>
             <a:pPr lvl="1"/>
             <a:r>
+              <a:rPr lang="en-US" smtClean="0"/>
+              <a:t>Predicting the </a:t>
+            </a:r>
+            <a:r>
               <a:rPr lang="en-US" dirty="0" smtClean="0"/>
-              <a:t>Finding the most liked category of a User.</a:t>
-            </a:r>
-          </a:p>
-          <a:p>
-            <a:pPr lvl="1"/>
-            <a:r>
-              <a:rPr lang="en-US" dirty="0" smtClean="0"/>
-              <a:t>Finding the User’s favorite neighborhood.</a:t>
+              <a:t>User’s favorite neighborhood.</a:t>
             </a:r>
           </a:p>
           <a:p>
